--- a/02 - Developing/01 - Functional analysis/01 - Using phase - Drying phase/SADT.pptx
+++ b/02 - Developing/01 - Functional analysis/01 - Using phase - Drying phase/SADT.pptx
@@ -265,7 +265,7 @@
           <a:p>
             <a:fld id="{49C74990-1144-457E-AFDA-26CE03D0B20D}" type="datetimeFigureOut">
               <a:rPr lang="fr-FR" smtClean="0"/>
-              <a:t>06/11/2017</a:t>
+              <a:t>09/11/2017</a:t>
             </a:fld>
             <a:endParaRPr lang="fr-FR"/>
           </a:p>
@@ -435,7 +435,7 @@
           <a:p>
             <a:fld id="{49C74990-1144-457E-AFDA-26CE03D0B20D}" type="datetimeFigureOut">
               <a:rPr lang="fr-FR" smtClean="0"/>
-              <a:t>06/11/2017</a:t>
+              <a:t>09/11/2017</a:t>
             </a:fld>
             <a:endParaRPr lang="fr-FR"/>
           </a:p>
@@ -615,7 +615,7 @@
           <a:p>
             <a:fld id="{49C74990-1144-457E-AFDA-26CE03D0B20D}" type="datetimeFigureOut">
               <a:rPr lang="fr-FR" smtClean="0"/>
-              <a:t>06/11/2017</a:t>
+              <a:t>09/11/2017</a:t>
             </a:fld>
             <a:endParaRPr lang="fr-FR"/>
           </a:p>
@@ -785,7 +785,7 @@
           <a:p>
             <a:fld id="{49C74990-1144-457E-AFDA-26CE03D0B20D}" type="datetimeFigureOut">
               <a:rPr lang="fr-FR" smtClean="0"/>
-              <a:t>06/11/2017</a:t>
+              <a:t>09/11/2017</a:t>
             </a:fld>
             <a:endParaRPr lang="fr-FR"/>
           </a:p>
@@ -1031,7 +1031,7 @@
           <a:p>
             <a:fld id="{49C74990-1144-457E-AFDA-26CE03D0B20D}" type="datetimeFigureOut">
               <a:rPr lang="fr-FR" smtClean="0"/>
-              <a:t>06/11/2017</a:t>
+              <a:t>09/11/2017</a:t>
             </a:fld>
             <a:endParaRPr lang="fr-FR"/>
           </a:p>
@@ -1263,7 +1263,7 @@
           <a:p>
             <a:fld id="{49C74990-1144-457E-AFDA-26CE03D0B20D}" type="datetimeFigureOut">
               <a:rPr lang="fr-FR" smtClean="0"/>
-              <a:t>06/11/2017</a:t>
+              <a:t>09/11/2017</a:t>
             </a:fld>
             <a:endParaRPr lang="fr-FR"/>
           </a:p>
@@ -1630,7 +1630,7 @@
           <a:p>
             <a:fld id="{49C74990-1144-457E-AFDA-26CE03D0B20D}" type="datetimeFigureOut">
               <a:rPr lang="fr-FR" smtClean="0"/>
-              <a:t>06/11/2017</a:t>
+              <a:t>09/11/2017</a:t>
             </a:fld>
             <a:endParaRPr lang="fr-FR"/>
           </a:p>
@@ -1748,7 +1748,7 @@
           <a:p>
             <a:fld id="{49C74990-1144-457E-AFDA-26CE03D0B20D}" type="datetimeFigureOut">
               <a:rPr lang="fr-FR" smtClean="0"/>
-              <a:t>06/11/2017</a:t>
+              <a:t>09/11/2017</a:t>
             </a:fld>
             <a:endParaRPr lang="fr-FR"/>
           </a:p>
@@ -1843,7 +1843,7 @@
           <a:p>
             <a:fld id="{49C74990-1144-457E-AFDA-26CE03D0B20D}" type="datetimeFigureOut">
               <a:rPr lang="fr-FR" smtClean="0"/>
-              <a:t>06/11/2017</a:t>
+              <a:t>09/11/2017</a:t>
             </a:fld>
             <a:endParaRPr lang="fr-FR"/>
           </a:p>
@@ -2120,7 +2120,7 @@
           <a:p>
             <a:fld id="{49C74990-1144-457E-AFDA-26CE03D0B20D}" type="datetimeFigureOut">
               <a:rPr lang="fr-FR" smtClean="0"/>
-              <a:t>06/11/2017</a:t>
+              <a:t>09/11/2017</a:t>
             </a:fld>
             <a:endParaRPr lang="fr-FR"/>
           </a:p>
@@ -2373,7 +2373,7 @@
           <a:p>
             <a:fld id="{49C74990-1144-457E-AFDA-26CE03D0B20D}" type="datetimeFigureOut">
               <a:rPr lang="fr-FR" smtClean="0"/>
-              <a:t>06/11/2017</a:t>
+              <a:t>09/11/2017</a:t>
             </a:fld>
             <a:endParaRPr lang="fr-FR"/>
           </a:p>
@@ -2586,7 +2586,7 @@
           <a:p>
             <a:fld id="{49C74990-1144-457E-AFDA-26CE03D0B20D}" type="datetimeFigureOut">
               <a:rPr lang="fr-FR" smtClean="0"/>
-              <a:t>06/11/2017</a:t>
+              <a:t>09/11/2017</a:t>
             </a:fld>
             <a:endParaRPr lang="fr-FR"/>
           </a:p>
@@ -15050,7 +15050,6 @@
               <a:rPr lang="en-GB" dirty="0"/>
               <a:t>produce heat</a:t>
             </a:r>
-            <a:endParaRPr lang="en-GB" dirty="0"/>
           </a:p>
         </p:txBody>
       </p:sp>
@@ -16662,7 +16661,6 @@
               <a:rPr lang="en-GB" sz="2800" dirty="0"/>
               <a:t>produce heat</a:t>
             </a:r>
-            <a:endParaRPr lang="en-GB" sz="2800" dirty="0"/>
           </a:p>
         </p:txBody>
       </p:sp>
